--- a/Apresentações/Modulo 4/M04A01.pptx
+++ b/Apresentações/Modulo 4/M04A01.pptx
@@ -253,7 +253,7 @@
           <a:p>
             <a:fld id="{F36A889A-630D-4AE9-9509-7F3A71457833}" type="datetimeFigureOut">
               <a:rPr lang="pt-BR" smtClean="0"/>
-              <a:t>24/06/2015</a:t>
+              <a:t>04/07/2015</a:t>
             </a:fld>
             <a:endParaRPr lang="pt-BR"/>
           </a:p>
@@ -423,7 +423,7 @@
           <a:p>
             <a:fld id="{F36A889A-630D-4AE9-9509-7F3A71457833}" type="datetimeFigureOut">
               <a:rPr lang="pt-BR" smtClean="0"/>
-              <a:t>24/06/2015</a:t>
+              <a:t>04/07/2015</a:t>
             </a:fld>
             <a:endParaRPr lang="pt-BR"/>
           </a:p>
@@ -603,7 +603,7 @@
           <a:p>
             <a:fld id="{F36A889A-630D-4AE9-9509-7F3A71457833}" type="datetimeFigureOut">
               <a:rPr lang="pt-BR" smtClean="0"/>
-              <a:t>24/06/2015</a:t>
+              <a:t>04/07/2015</a:t>
             </a:fld>
             <a:endParaRPr lang="pt-BR"/>
           </a:p>
@@ -773,7 +773,7 @@
           <a:p>
             <a:fld id="{F36A889A-630D-4AE9-9509-7F3A71457833}" type="datetimeFigureOut">
               <a:rPr lang="pt-BR" smtClean="0"/>
-              <a:t>24/06/2015</a:t>
+              <a:t>04/07/2015</a:t>
             </a:fld>
             <a:endParaRPr lang="pt-BR"/>
           </a:p>
@@ -1019,7 +1019,7 @@
           <a:p>
             <a:fld id="{F36A889A-630D-4AE9-9509-7F3A71457833}" type="datetimeFigureOut">
               <a:rPr lang="pt-BR" smtClean="0"/>
-              <a:t>24/06/2015</a:t>
+              <a:t>04/07/2015</a:t>
             </a:fld>
             <a:endParaRPr lang="pt-BR"/>
           </a:p>
@@ -1251,7 +1251,7 @@
           <a:p>
             <a:fld id="{F36A889A-630D-4AE9-9509-7F3A71457833}" type="datetimeFigureOut">
               <a:rPr lang="pt-BR" smtClean="0"/>
-              <a:t>24/06/2015</a:t>
+              <a:t>04/07/2015</a:t>
             </a:fld>
             <a:endParaRPr lang="pt-BR"/>
           </a:p>
@@ -1618,7 +1618,7 @@
           <a:p>
             <a:fld id="{F36A889A-630D-4AE9-9509-7F3A71457833}" type="datetimeFigureOut">
               <a:rPr lang="pt-BR" smtClean="0"/>
-              <a:t>24/06/2015</a:t>
+              <a:t>04/07/2015</a:t>
             </a:fld>
             <a:endParaRPr lang="pt-BR"/>
           </a:p>
@@ -1736,7 +1736,7 @@
           <a:p>
             <a:fld id="{F36A889A-630D-4AE9-9509-7F3A71457833}" type="datetimeFigureOut">
               <a:rPr lang="pt-BR" smtClean="0"/>
-              <a:t>24/06/2015</a:t>
+              <a:t>04/07/2015</a:t>
             </a:fld>
             <a:endParaRPr lang="pt-BR"/>
           </a:p>
@@ -1831,7 +1831,7 @@
           <a:p>
             <a:fld id="{F36A889A-630D-4AE9-9509-7F3A71457833}" type="datetimeFigureOut">
               <a:rPr lang="pt-BR" smtClean="0"/>
-              <a:t>24/06/2015</a:t>
+              <a:t>04/07/2015</a:t>
             </a:fld>
             <a:endParaRPr lang="pt-BR"/>
           </a:p>
@@ -2108,7 +2108,7 @@
           <a:p>
             <a:fld id="{F36A889A-630D-4AE9-9509-7F3A71457833}" type="datetimeFigureOut">
               <a:rPr lang="pt-BR" smtClean="0"/>
-              <a:t>24/06/2015</a:t>
+              <a:t>04/07/2015</a:t>
             </a:fld>
             <a:endParaRPr lang="pt-BR"/>
           </a:p>
@@ -2361,7 +2361,7 @@
           <a:p>
             <a:fld id="{F36A889A-630D-4AE9-9509-7F3A71457833}" type="datetimeFigureOut">
               <a:rPr lang="pt-BR" smtClean="0"/>
-              <a:t>24/06/2015</a:t>
+              <a:t>04/07/2015</a:t>
             </a:fld>
             <a:endParaRPr lang="pt-BR"/>
           </a:p>
@@ -2574,7 +2574,7 @@
           <a:p>
             <a:fld id="{F36A889A-630D-4AE9-9509-7F3A71457833}" type="datetimeFigureOut">
               <a:rPr lang="pt-BR" smtClean="0"/>
-              <a:t>24/06/2015</a:t>
+              <a:t>04/07/2015</a:t>
             </a:fld>
             <a:endParaRPr lang="pt-BR"/>
           </a:p>
@@ -3362,7 +3362,6 @@
               <a:rPr lang="pt-BR" dirty="0" smtClean="0"/>
               <a:t> padrão</a:t>
             </a:r>
-            <a:endParaRPr lang="pt-BR" dirty="0" smtClean="0"/>
           </a:p>
         </p:txBody>
       </p:sp>
@@ -3590,15 +3589,7 @@
             </a:pPr>
             <a:r>
               <a:rPr lang="pt-BR" dirty="0" smtClean="0"/>
-              <a:t>Módulo </a:t>
-            </a:r>
-            <a:r>
-              <a:rPr lang="pt-BR" dirty="0" smtClean="0"/>
-              <a:t>4 </a:t>
-            </a:r>
-            <a:r>
-              <a:rPr lang="pt-BR" dirty="0" smtClean="0"/>
-              <a:t>– Aula 1</a:t>
+              <a:t>Módulo 4 – Aula 1</a:t>
             </a:r>
           </a:p>
         </p:txBody>
@@ -3776,13 +3767,8 @@
             <a:pPr fontAlgn="base"/>
             <a:r>
               <a:rPr lang="pt-BR" dirty="0" smtClean="0"/>
-              <a:t>Com isto, conseguimos manter a escrita do código em ingl</a:t>
-            </a:r>
-            <a:r>
-              <a:rPr lang="pt-BR" dirty="0" smtClean="0"/>
-              <a:t>ês e as rotas em português</a:t>
-            </a:r>
-            <a:endParaRPr lang="pt-BR" dirty="0" smtClean="0"/>
+              <a:t>Com isto, conseguimos manter a escrita do código em inglês e as rotas em português</a:t>
+            </a:r>
           </a:p>
           <a:p>
             <a:pPr fontAlgn="base"/>
@@ -3918,8 +3904,13 @@
             </a:r>
             <a:r>
               <a:rPr lang="pt-BR" dirty="0" smtClean="0"/>
-              <a:t>/produto/{id?}")]</a:t>
-            </a:r>
+              <a:t>/produto/{</a:t>
+            </a:r>
+            <a:r>
+              <a:rPr lang="pt-BR" dirty="0" smtClean="0"/>
+              <a:t>id=5}")]</a:t>
+            </a:r>
+            <a:endParaRPr lang="pt-BR" dirty="0" smtClean="0"/>
           </a:p>
           <a:p>
             <a:pPr fontAlgn="base"/>
@@ -3940,8 +3931,13 @@
             <a:pPr lvl="1" fontAlgn="base"/>
             <a:r>
               <a:rPr lang="pt-BR" dirty="0" smtClean="0"/>
-              <a:t>http://localhost:2300/loja/promoções/produto/1</a:t>
-            </a:r>
+              <a:t>http://</a:t>
+            </a:r>
+            <a:r>
+              <a:rPr lang="pt-BR" dirty="0" smtClean="0"/>
+              <a:t>localhost:2300/loja/promoCOes/produto/1</a:t>
+            </a:r>
+            <a:endParaRPr lang="pt-BR" dirty="0" smtClean="0"/>
           </a:p>
           <a:p>
             <a:pPr fontAlgn="base"/>
@@ -3964,7 +3960,6 @@
               <a:rPr lang="pt-BR" dirty="0" smtClean="0"/>
               <a:t>Caso queira definir um valor padrão para o parâmetro, basta adicionar “=VALOR”</a:t>
             </a:r>
-            <a:endParaRPr lang="pt-BR" dirty="0" smtClean="0"/>
           </a:p>
           <a:p>
             <a:pPr fontAlgn="base"/>
@@ -4416,7 +4411,6 @@
               <a:rPr lang="pt-BR" dirty="0" smtClean="0"/>
               <a:t>Criando rotas customizadas</a:t>
             </a:r>
-            <a:endParaRPr lang="pt-BR" dirty="0" smtClean="0"/>
           </a:p>
         </p:txBody>
       </p:sp>
@@ -4584,7 +4578,6 @@
               <a:rPr lang="pt-BR" dirty="0" smtClean="0"/>
               <a:t> de rotas esteja habilitado</a:t>
             </a:r>
-            <a:endParaRPr lang="pt-BR" dirty="0" smtClean="0"/>
           </a:p>
         </p:txBody>
       </p:sp>
